--- a/results/tex/img/h2ARNN.pptx
+++ b/results/tex/img/h2ARNN.pptx
@@ -197,7 +197,7 @@
           <a:p>
             <a:fld id="{49EF80AE-1202-9441-B039-70E681F15719}" type="datetimeFigureOut">
               <a:rPr lang="en-US" smtClean="0"/>
-              <a:t>2/6/23</a:t>
+              <a:t>2/10/23</a:t>
             </a:fld>
             <a:endParaRPr lang="en-US"/>
           </a:p>
@@ -698,7 +698,7 @@
           <a:p>
             <a:fld id="{F01249FA-4142-DA42-A0A7-E71B9CE72CA2}" type="datetimeFigureOut">
               <a:rPr lang="en-US" smtClean="0"/>
-              <a:t>2/6/23</a:t>
+              <a:t>2/10/23</a:t>
             </a:fld>
             <a:endParaRPr lang="en-US"/>
           </a:p>
@@ -898,7 +898,7 @@
           <a:p>
             <a:fld id="{F01249FA-4142-DA42-A0A7-E71B9CE72CA2}" type="datetimeFigureOut">
               <a:rPr lang="en-US" smtClean="0"/>
-              <a:t>2/6/23</a:t>
+              <a:t>2/10/23</a:t>
             </a:fld>
             <a:endParaRPr lang="en-US"/>
           </a:p>
@@ -1108,7 +1108,7 @@
           <a:p>
             <a:fld id="{F01249FA-4142-DA42-A0A7-E71B9CE72CA2}" type="datetimeFigureOut">
               <a:rPr lang="en-US" smtClean="0"/>
-              <a:t>2/6/23</a:t>
+              <a:t>2/10/23</a:t>
             </a:fld>
             <a:endParaRPr lang="en-US"/>
           </a:p>
@@ -1308,7 +1308,7 @@
           <a:p>
             <a:fld id="{F01249FA-4142-DA42-A0A7-E71B9CE72CA2}" type="datetimeFigureOut">
               <a:rPr lang="en-US" smtClean="0"/>
-              <a:t>2/6/23</a:t>
+              <a:t>2/10/23</a:t>
             </a:fld>
             <a:endParaRPr lang="en-US"/>
           </a:p>
@@ -1584,7 +1584,7 @@
           <a:p>
             <a:fld id="{F01249FA-4142-DA42-A0A7-E71B9CE72CA2}" type="datetimeFigureOut">
               <a:rPr lang="en-US" smtClean="0"/>
-              <a:t>2/6/23</a:t>
+              <a:t>2/10/23</a:t>
             </a:fld>
             <a:endParaRPr lang="en-US"/>
           </a:p>
@@ -1852,7 +1852,7 @@
           <a:p>
             <a:fld id="{F01249FA-4142-DA42-A0A7-E71B9CE72CA2}" type="datetimeFigureOut">
               <a:rPr lang="en-US" smtClean="0"/>
-              <a:t>2/6/23</a:t>
+              <a:t>2/10/23</a:t>
             </a:fld>
             <a:endParaRPr lang="en-US"/>
           </a:p>
@@ -2267,7 +2267,7 @@
           <a:p>
             <a:fld id="{F01249FA-4142-DA42-A0A7-E71B9CE72CA2}" type="datetimeFigureOut">
               <a:rPr lang="en-US" smtClean="0"/>
-              <a:t>2/6/23</a:t>
+              <a:t>2/10/23</a:t>
             </a:fld>
             <a:endParaRPr lang="en-US"/>
           </a:p>
@@ -2409,7 +2409,7 @@
           <a:p>
             <a:fld id="{F01249FA-4142-DA42-A0A7-E71B9CE72CA2}" type="datetimeFigureOut">
               <a:rPr lang="en-US" smtClean="0"/>
-              <a:t>2/6/23</a:t>
+              <a:t>2/10/23</a:t>
             </a:fld>
             <a:endParaRPr lang="en-US"/>
           </a:p>
@@ -2522,7 +2522,7 @@
           <a:p>
             <a:fld id="{F01249FA-4142-DA42-A0A7-E71B9CE72CA2}" type="datetimeFigureOut">
               <a:rPr lang="en-US" smtClean="0"/>
-              <a:t>2/6/23</a:t>
+              <a:t>2/10/23</a:t>
             </a:fld>
             <a:endParaRPr lang="en-US"/>
           </a:p>
@@ -2835,7 +2835,7 @@
           <a:p>
             <a:fld id="{F01249FA-4142-DA42-A0A7-E71B9CE72CA2}" type="datetimeFigureOut">
               <a:rPr lang="en-US" smtClean="0"/>
-              <a:t>2/6/23</a:t>
+              <a:t>2/10/23</a:t>
             </a:fld>
             <a:endParaRPr lang="en-US"/>
           </a:p>
@@ -3124,7 +3124,7 @@
           <a:p>
             <a:fld id="{F01249FA-4142-DA42-A0A7-E71B9CE72CA2}" type="datetimeFigureOut">
               <a:rPr lang="en-US" smtClean="0"/>
-              <a:t>2/6/23</a:t>
+              <a:t>2/10/23</a:t>
             </a:fld>
             <a:endParaRPr lang="en-US"/>
           </a:p>
@@ -3367,7 +3367,7 @@
           <a:p>
             <a:fld id="{F01249FA-4142-DA42-A0A7-E71B9CE72CA2}" type="datetimeFigureOut">
               <a:rPr lang="en-US" smtClean="0"/>
-              <a:t>2/6/23</a:t>
+              <a:t>2/10/23</a:t>
             </a:fld>
             <a:endParaRPr lang="en-US"/>
           </a:p>
@@ -4282,8 +4282,8 @@
         </p:nvCxnSpPr>
         <p:spPr>
           <a:xfrm>
-            <a:off x="1091513" y="3165197"/>
-            <a:ext cx="1953466" cy="444286"/>
+            <a:off x="1091513" y="3165198"/>
+            <a:ext cx="1953466" cy="444285"/>
           </a:xfrm>
           <a:prstGeom prst="line">
             <a:avLst/>
@@ -4665,8 +4665,8 @@
           </a:p>
         </p:txBody>
       </p:sp>
-      <mc:AlternateContent xmlns:mc="http://schemas.openxmlformats.org/markup-compatibility/2006">
-        <mc:Choice xmlns:a14="http://schemas.microsoft.com/office/drawing/2010/main" Requires="a14">
+      <mc:AlternateContent xmlns:mc="http://schemas.openxmlformats.org/markup-compatibility/2006" xmlns:a14="http://schemas.microsoft.com/office/drawing/2010/main">
+        <mc:Choice Requires="a14">
           <p:sp>
             <p:nvSpPr>
               <p:cNvPr id="149" name="Rettangolo con angoli arrotondati 148">
@@ -4685,7 +4685,9 @@
                 <a:ext cx="673274" cy="675655"/>
               </a:xfrm>
               <a:prstGeom prst="roundRect">
-                <a:avLst/>
+                <a:avLst>
+                  <a:gd name="adj" fmla="val 50000"/>
+                </a:avLst>
               </a:prstGeom>
               <a:noFill/>
               <a:ln w="28575" cap="flat" cmpd="sng" algn="ctr">
@@ -4780,7 +4782,7 @@
             </p:txBody>
           </p:sp>
         </mc:Choice>
-        <mc:Fallback>
+        <mc:Fallback xmlns="">
           <p:sp>
             <p:nvSpPr>
               <p:cNvPr id="149" name="Rettangolo con angoli arrotondati 148">
@@ -4801,7 +4803,9 @@
                 <a:ext cx="673274" cy="675655"/>
               </a:xfrm>
               <a:prstGeom prst="roundRect">
-                <a:avLst/>
+                <a:avLst>
+                  <a:gd name="adj" fmla="val 50000"/>
+                </a:avLst>
               </a:prstGeom>
               <a:blipFill>
                 <a:blip r:embed="rId3"/>
@@ -4834,8 +4838,8 @@
           </p:sp>
         </mc:Fallback>
       </mc:AlternateContent>
-      <mc:AlternateContent xmlns:mc="http://schemas.openxmlformats.org/markup-compatibility/2006">
-        <mc:Choice xmlns:a14="http://schemas.microsoft.com/office/drawing/2010/main" Requires="a14">
+      <mc:AlternateContent xmlns:mc="http://schemas.openxmlformats.org/markup-compatibility/2006" xmlns:a14="http://schemas.microsoft.com/office/drawing/2010/main">
+        <mc:Choice Requires="a14">
           <p:sp>
             <p:nvSpPr>
               <p:cNvPr id="150" name="Rettangolo con angoli arrotondati 149">
@@ -4850,11 +4854,13 @@
             </p:nvSpPr>
             <p:spPr>
               <a:xfrm>
-                <a:off x="3068225" y="2106407"/>
-                <a:ext cx="673274" cy="675655"/>
+                <a:off x="3044979" y="2106407"/>
+                <a:ext cx="696520" cy="727020"/>
               </a:xfrm>
               <a:prstGeom prst="roundRect">
-                <a:avLst/>
+                <a:avLst>
+                  <a:gd name="adj" fmla="val 50000"/>
+                </a:avLst>
               </a:prstGeom>
               <a:noFill/>
               <a:ln w="28575" cap="flat" cmpd="sng" algn="ctr">
@@ -4976,7 +4982,7 @@
             </p:txBody>
           </p:sp>
         </mc:Choice>
-        <mc:Fallback>
+        <mc:Fallback xmlns="">
           <p:sp>
             <p:nvSpPr>
               <p:cNvPr id="150" name="Rettangolo con angoli arrotondati 149">
@@ -4993,16 +4999,18 @@
             </p:nvSpPr>
             <p:spPr>
               <a:xfrm>
-                <a:off x="3068225" y="2106407"/>
-                <a:ext cx="673274" cy="675655"/>
+                <a:off x="3044979" y="2106407"/>
+                <a:ext cx="696520" cy="727020"/>
               </a:xfrm>
               <a:prstGeom prst="roundRect">
-                <a:avLst/>
+                <a:avLst>
+                  <a:gd name="adj" fmla="val 50000"/>
+                </a:avLst>
               </a:prstGeom>
               <a:blipFill>
                 <a:blip r:embed="rId4"/>
                 <a:stretch>
-                  <a:fillRect l="-3509"/>
+                  <a:fillRect l="-3448"/>
                 </a:stretch>
               </a:blipFill>
               <a:ln w="28575" cap="flat" cmpd="sng" algn="ctr">
@@ -5030,8 +5038,8 @@
           </p:sp>
         </mc:Fallback>
       </mc:AlternateContent>
-      <mc:AlternateContent xmlns:mc="http://schemas.openxmlformats.org/markup-compatibility/2006">
-        <mc:Choice xmlns:a14="http://schemas.microsoft.com/office/drawing/2010/main" Requires="a14">
+      <mc:AlternateContent xmlns:mc="http://schemas.openxmlformats.org/markup-compatibility/2006" xmlns:a14="http://schemas.microsoft.com/office/drawing/2010/main">
+        <mc:Choice Requires="a14">
           <p:sp>
             <p:nvSpPr>
               <p:cNvPr id="151" name="Rettangolo con angoli arrotondati 150">
@@ -5050,7 +5058,9 @@
                 <a:ext cx="673274" cy="675655"/>
               </a:xfrm>
               <a:prstGeom prst="roundRect">
-                <a:avLst/>
+                <a:avLst>
+                  <a:gd name="adj" fmla="val 50000"/>
+                </a:avLst>
               </a:prstGeom>
               <a:noFill/>
               <a:ln w="28575" cap="flat" cmpd="sng" algn="ctr">
@@ -5172,7 +5182,7 @@
             </p:txBody>
           </p:sp>
         </mc:Choice>
-        <mc:Fallback>
+        <mc:Fallback xmlns="">
           <p:sp>
             <p:nvSpPr>
               <p:cNvPr id="151" name="Rettangolo con angoli arrotondati 150">
@@ -5193,7 +5203,9 @@
                 <a:ext cx="673274" cy="675655"/>
               </a:xfrm>
               <a:prstGeom prst="roundRect">
-                <a:avLst/>
+                <a:avLst>
+                  <a:gd name="adj" fmla="val 50000"/>
+                </a:avLst>
               </a:prstGeom>
               <a:blipFill>
                 <a:blip r:embed="rId5"/>
@@ -5226,8 +5238,8 @@
           </p:sp>
         </mc:Fallback>
       </mc:AlternateContent>
-      <mc:AlternateContent xmlns:mc="http://schemas.openxmlformats.org/markup-compatibility/2006">
-        <mc:Choice xmlns:a14="http://schemas.microsoft.com/office/drawing/2010/main" Requires="a14">
+      <mc:AlternateContent xmlns:mc="http://schemas.openxmlformats.org/markup-compatibility/2006" xmlns:a14="http://schemas.microsoft.com/office/drawing/2010/main">
+        <mc:Choice Requires="a14">
           <p:sp>
             <p:nvSpPr>
               <p:cNvPr id="152" name="Rettangolo con angoli arrotondati 151">
@@ -5246,7 +5258,9 @@
                 <a:ext cx="673274" cy="675655"/>
               </a:xfrm>
               <a:prstGeom prst="roundRect">
-                <a:avLst/>
+                <a:avLst>
+                  <a:gd name="adj" fmla="val 50000"/>
+                </a:avLst>
               </a:prstGeom>
               <a:noFill/>
               <a:ln w="28575" cap="flat" cmpd="sng" algn="ctr">
@@ -5359,7 +5373,7 @@
             </p:txBody>
           </p:sp>
         </mc:Choice>
-        <mc:Fallback>
+        <mc:Fallback xmlns="">
           <p:sp>
             <p:nvSpPr>
               <p:cNvPr id="152" name="Rettangolo con angoli arrotondati 151">
@@ -5380,7 +5394,9 @@
                 <a:ext cx="673274" cy="675655"/>
               </a:xfrm>
               <a:prstGeom prst="roundRect">
-                <a:avLst/>
+                <a:avLst>
+                  <a:gd name="adj" fmla="val 50000"/>
+                </a:avLst>
               </a:prstGeom>
               <a:blipFill>
                 <a:blip r:embed="rId6"/>
@@ -5931,13 +5947,16 @@
         </p:nvCxnSpPr>
         <p:spPr>
           <a:xfrm flipV="1">
-            <a:off x="3741498" y="1536962"/>
-            <a:ext cx="1262527" cy="907273"/>
+            <a:off x="3741499" y="1536962"/>
+            <a:ext cx="1262527" cy="932955"/>
           </a:xfrm>
           <a:prstGeom prst="line">
             <a:avLst/>
           </a:prstGeom>
           <a:ln w="19050">
+            <a:solidFill>
+              <a:schemeClr val="tx1"/>
+            </a:solidFill>
             <a:headEnd type="none" w="med" len="med"/>
             <a:tailEnd type="none" w="med" len="med"/>
           </a:ln>
@@ -5975,13 +5994,16 @@
         </p:nvCxnSpPr>
         <p:spPr>
           <a:xfrm flipV="1">
-            <a:off x="3741498" y="2016301"/>
-            <a:ext cx="1262527" cy="427933"/>
+            <a:off x="3741499" y="2016301"/>
+            <a:ext cx="1262527" cy="453616"/>
           </a:xfrm>
           <a:prstGeom prst="line">
             <a:avLst/>
           </a:prstGeom>
           <a:ln w="19050">
+            <a:solidFill>
+              <a:schemeClr val="tx1"/>
+            </a:solidFill>
             <a:headEnd type="none" w="med" len="med"/>
             <a:tailEnd type="none" w="med" len="med"/>
           </a:ln>
@@ -6019,13 +6041,16 @@
         </p:nvCxnSpPr>
         <p:spPr>
           <a:xfrm>
-            <a:off x="3741498" y="2444234"/>
-            <a:ext cx="1238725" cy="36172"/>
+            <a:off x="3741499" y="2469917"/>
+            <a:ext cx="1238724" cy="10489"/>
           </a:xfrm>
           <a:prstGeom prst="line">
             <a:avLst/>
           </a:prstGeom>
           <a:ln w="19050">
+            <a:solidFill>
+              <a:schemeClr val="tx1"/>
+            </a:solidFill>
             <a:headEnd type="none" w="med" len="med"/>
             <a:tailEnd type="none" w="med" len="med"/>
           </a:ln>
@@ -6063,13 +6088,16 @@
         </p:nvCxnSpPr>
         <p:spPr>
           <a:xfrm>
-            <a:off x="3741498" y="2444234"/>
-            <a:ext cx="1238113" cy="500880"/>
+            <a:off x="3741499" y="2469917"/>
+            <a:ext cx="1238112" cy="475198"/>
           </a:xfrm>
           <a:prstGeom prst="line">
             <a:avLst/>
           </a:prstGeom>
           <a:ln w="19050">
+            <a:solidFill>
+              <a:schemeClr val="tx1"/>
+            </a:solidFill>
             <a:headEnd type="none" w="med" len="med"/>
             <a:tailEnd type="none" w="med" len="med"/>
           </a:ln>
@@ -6107,13 +6135,16 @@
         </p:nvCxnSpPr>
         <p:spPr>
           <a:xfrm>
-            <a:off x="3741498" y="2444234"/>
-            <a:ext cx="1238037" cy="963456"/>
+            <a:off x="3741499" y="2469917"/>
+            <a:ext cx="1238037" cy="937773"/>
           </a:xfrm>
           <a:prstGeom prst="line">
             <a:avLst/>
           </a:prstGeom>
           <a:ln w="19050">
+            <a:solidFill>
+              <a:schemeClr val="tx1"/>
+            </a:solidFill>
             <a:headEnd type="none" w="med" len="med"/>
             <a:tailEnd type="none" w="med" len="med"/>
           </a:ln>
@@ -6151,13 +6182,16 @@
         </p:nvCxnSpPr>
         <p:spPr>
           <a:xfrm>
-            <a:off x="3741498" y="2444234"/>
-            <a:ext cx="1258996" cy="1998528"/>
+            <a:off x="3741499" y="2469917"/>
+            <a:ext cx="1258995" cy="1972845"/>
           </a:xfrm>
           <a:prstGeom prst="line">
             <a:avLst/>
           </a:prstGeom>
           <a:ln w="19050">
+            <a:solidFill>
+              <a:schemeClr val="tx1"/>
+            </a:solidFill>
             <a:headEnd type="none" w="med" len="med"/>
             <a:tailEnd type="none" w="med" len="med"/>
           </a:ln>
@@ -6195,13 +6229,16 @@
         </p:nvCxnSpPr>
         <p:spPr>
           <a:xfrm>
-            <a:off x="3741498" y="2444234"/>
-            <a:ext cx="1258996" cy="2477867"/>
+            <a:off x="3741499" y="2469917"/>
+            <a:ext cx="1258995" cy="2452184"/>
           </a:xfrm>
           <a:prstGeom prst="line">
             <a:avLst/>
           </a:prstGeom>
           <a:ln w="19050">
+            <a:solidFill>
+              <a:schemeClr val="tx1"/>
+            </a:solidFill>
             <a:headEnd type="none" w="med" len="med"/>
             <a:tailEnd type="none" w="med" len="med"/>
           </a:ln>
@@ -6239,13 +6276,16 @@
         </p:nvCxnSpPr>
         <p:spPr>
           <a:xfrm>
-            <a:off x="3741498" y="2444234"/>
-            <a:ext cx="1235193" cy="2941972"/>
+            <a:off x="3741499" y="2469917"/>
+            <a:ext cx="1235193" cy="2916290"/>
           </a:xfrm>
           <a:prstGeom prst="line">
             <a:avLst/>
           </a:prstGeom>
           <a:ln w="19050">
+            <a:solidFill>
+              <a:schemeClr val="tx1"/>
+            </a:solidFill>
             <a:headEnd type="none" w="med" len="med"/>
             <a:tailEnd type="none" w="med" len="med"/>
           </a:ln>
@@ -6283,13 +6323,16 @@
         </p:nvCxnSpPr>
         <p:spPr>
           <a:xfrm>
-            <a:off x="3741498" y="2444234"/>
-            <a:ext cx="1234582" cy="3406681"/>
+            <a:off x="3741499" y="2469917"/>
+            <a:ext cx="1234581" cy="3380998"/>
           </a:xfrm>
           <a:prstGeom prst="line">
             <a:avLst/>
           </a:prstGeom>
           <a:ln w="19050">
+            <a:solidFill>
+              <a:schemeClr val="tx1"/>
+            </a:solidFill>
             <a:headEnd type="none" w="med" len="med"/>
             <a:tailEnd type="none" w="med" len="med"/>
           </a:ln>
@@ -6327,13 +6370,16 @@
         </p:nvCxnSpPr>
         <p:spPr>
           <a:xfrm>
-            <a:off x="3741498" y="2444234"/>
-            <a:ext cx="1234506" cy="3869257"/>
+            <a:off x="3741499" y="2469917"/>
+            <a:ext cx="1234505" cy="3843574"/>
           </a:xfrm>
           <a:prstGeom prst="line">
             <a:avLst/>
           </a:prstGeom>
           <a:ln w="19050">
+            <a:solidFill>
+              <a:schemeClr val="tx1"/>
+            </a:solidFill>
             <a:headEnd type="none" w="med" len="med"/>
             <a:tailEnd type="none" w="med" len="med"/>
           </a:ln>
@@ -6378,6 +6424,9 @@
             <a:avLst/>
           </a:prstGeom>
           <a:ln w="19050">
+            <a:solidFill>
+              <a:schemeClr val="tx1"/>
+            </a:solidFill>
             <a:headEnd type="none" w="med" len="med"/>
             <a:tailEnd type="none" w="med" len="med"/>
           </a:ln>
@@ -6422,6 +6471,9 @@
             <a:avLst/>
           </a:prstGeom>
           <a:ln w="19050">
+            <a:solidFill>
+              <a:schemeClr val="tx1"/>
+            </a:solidFill>
             <a:headEnd type="none" w="med" len="med"/>
             <a:tailEnd type="none" w="med" len="med"/>
           </a:ln>
@@ -6460,12 +6512,15 @@
         <p:spPr>
           <a:xfrm flipV="1">
             <a:off x="3718253" y="2480406"/>
-            <a:ext cx="1261970" cy="1129076"/>
+            <a:ext cx="1261970" cy="1129077"/>
           </a:xfrm>
           <a:prstGeom prst="line">
             <a:avLst/>
           </a:prstGeom>
           <a:ln w="19050">
+            <a:solidFill>
+              <a:schemeClr val="tx1"/>
+            </a:solidFill>
             <a:headEnd type="none" w="med" len="med"/>
             <a:tailEnd type="none" w="med" len="med"/>
           </a:ln>
@@ -6504,12 +6559,15 @@
         <p:spPr>
           <a:xfrm flipV="1">
             <a:off x="3718253" y="2945115"/>
-            <a:ext cx="1261359" cy="664368"/>
+            <a:ext cx="1261358" cy="664368"/>
           </a:xfrm>
           <a:prstGeom prst="line">
             <a:avLst/>
           </a:prstGeom>
           <a:ln w="19050">
+            <a:solidFill>
+              <a:schemeClr val="tx1"/>
+            </a:solidFill>
             <a:headEnd type="none" w="med" len="med"/>
             <a:tailEnd type="none" w="med" len="med"/>
           </a:ln>
@@ -6547,13 +6605,16 @@
         </p:nvCxnSpPr>
         <p:spPr>
           <a:xfrm flipH="1">
-            <a:off x="3732093" y="1536962"/>
+            <a:off x="3732094" y="1536962"/>
             <a:ext cx="1271932" cy="4285876"/>
           </a:xfrm>
           <a:prstGeom prst="line">
             <a:avLst/>
           </a:prstGeom>
           <a:ln w="19050">
+            <a:solidFill>
+              <a:schemeClr val="tx1"/>
+            </a:solidFill>
             <a:headEnd type="none" w="med" len="med"/>
             <a:tailEnd type="none" w="med" len="med"/>
           </a:ln>
@@ -6591,13 +6652,16 @@
         </p:nvCxnSpPr>
         <p:spPr>
           <a:xfrm flipH="1">
-            <a:off x="3732093" y="2016301"/>
+            <a:off x="3732094" y="2016301"/>
             <a:ext cx="1271932" cy="3806537"/>
           </a:xfrm>
           <a:prstGeom prst="line">
             <a:avLst/>
           </a:prstGeom>
           <a:ln w="19050">
+            <a:solidFill>
+              <a:schemeClr val="tx1"/>
+            </a:solidFill>
             <a:headEnd type="none" w="med" len="med"/>
             <a:tailEnd type="none" w="med" len="med"/>
           </a:ln>
@@ -6635,13 +6699,16 @@
         </p:nvCxnSpPr>
         <p:spPr>
           <a:xfrm flipH="1">
-            <a:off x="3732093" y="2480406"/>
-            <a:ext cx="1248130" cy="3342432"/>
+            <a:off x="3732094" y="2480406"/>
+            <a:ext cx="1248129" cy="3342432"/>
           </a:xfrm>
           <a:prstGeom prst="line">
             <a:avLst/>
           </a:prstGeom>
           <a:ln w="19050">
+            <a:solidFill>
+              <a:schemeClr val="tx1"/>
+            </a:solidFill>
             <a:headEnd type="none" w="med" len="med"/>
             <a:tailEnd type="none" w="med" len="med"/>
           </a:ln>
@@ -6679,13 +6746,16 @@
         </p:nvCxnSpPr>
         <p:spPr>
           <a:xfrm flipH="1">
-            <a:off x="3732093" y="2945115"/>
-            <a:ext cx="1247518" cy="2877723"/>
+            <a:off x="3732094" y="2945115"/>
+            <a:ext cx="1247517" cy="2877723"/>
           </a:xfrm>
           <a:prstGeom prst="line">
             <a:avLst/>
           </a:prstGeom>
           <a:ln w="19050">
+            <a:solidFill>
+              <a:schemeClr val="tx1"/>
+            </a:solidFill>
             <a:headEnd type="none" w="med" len="med"/>
             <a:tailEnd type="none" w="med" len="med"/>
           </a:ln>
@@ -6723,13 +6793,16 @@
         </p:nvCxnSpPr>
         <p:spPr>
           <a:xfrm flipH="1">
-            <a:off x="3718253" y="3407691"/>
-            <a:ext cx="1261283" cy="201792"/>
+            <a:off x="3718253" y="3407690"/>
+            <a:ext cx="1261283" cy="201793"/>
           </a:xfrm>
           <a:prstGeom prst="line">
             <a:avLst/>
           </a:prstGeom>
           <a:ln w="19050">
+            <a:solidFill>
+              <a:schemeClr val="tx1"/>
+            </a:solidFill>
             <a:headEnd type="none" w="med" len="med"/>
             <a:tailEnd type="none" w="med" len="med"/>
           </a:ln>
@@ -6767,13 +6840,16 @@
         </p:nvCxnSpPr>
         <p:spPr>
           <a:xfrm flipH="1">
-            <a:off x="3732093" y="3407691"/>
-            <a:ext cx="1247442" cy="2415147"/>
+            <a:off x="3732094" y="3407690"/>
+            <a:ext cx="1247442" cy="2415148"/>
           </a:xfrm>
           <a:prstGeom prst="line">
             <a:avLst/>
           </a:prstGeom>
           <a:ln w="19050">
+            <a:solidFill>
+              <a:schemeClr val="tx1"/>
+            </a:solidFill>
             <a:headEnd type="none" w="med" len="med"/>
             <a:tailEnd type="none" w="med" len="med"/>
           </a:ln>
@@ -6812,12 +6888,15 @@
         <p:spPr>
           <a:xfrm flipH="1" flipV="1">
             <a:off x="3718253" y="3609483"/>
-            <a:ext cx="1282242" cy="833279"/>
+            <a:ext cx="1282241" cy="833279"/>
           </a:xfrm>
           <a:prstGeom prst="line">
             <a:avLst/>
           </a:prstGeom>
           <a:ln w="19050">
+            <a:solidFill>
+              <a:schemeClr val="tx1"/>
+            </a:solidFill>
             <a:headEnd type="none" w="med" len="med"/>
             <a:tailEnd type="none" w="med" len="med"/>
           </a:ln>
@@ -6855,13 +6934,16 @@
         </p:nvCxnSpPr>
         <p:spPr>
           <a:xfrm flipH="1">
-            <a:off x="3732093" y="4442762"/>
-            <a:ext cx="1268401" cy="1380076"/>
+            <a:off x="3732094" y="4442762"/>
+            <a:ext cx="1268400" cy="1380076"/>
           </a:xfrm>
           <a:prstGeom prst="line">
             <a:avLst/>
           </a:prstGeom>
           <a:ln w="19050">
+            <a:solidFill>
+              <a:schemeClr val="tx1"/>
+            </a:solidFill>
             <a:headEnd type="none" w="med" len="med"/>
             <a:tailEnd type="none" w="med" len="med"/>
           </a:ln>
@@ -6900,12 +6982,15 @@
         <p:spPr>
           <a:xfrm flipH="1" flipV="1">
             <a:off x="3718253" y="3609483"/>
-            <a:ext cx="1282242" cy="1312619"/>
+            <a:ext cx="1282241" cy="1312618"/>
           </a:xfrm>
           <a:prstGeom prst="line">
             <a:avLst/>
           </a:prstGeom>
           <a:ln w="19050">
+            <a:solidFill>
+              <a:schemeClr val="tx1"/>
+            </a:solidFill>
             <a:headEnd type="none" w="med" len="med"/>
             <a:tailEnd type="none" w="med" len="med"/>
           </a:ln>
@@ -6950,6 +7035,9 @@
             <a:avLst/>
           </a:prstGeom>
           <a:ln w="19050">
+            <a:solidFill>
+              <a:schemeClr val="tx1"/>
+            </a:solidFill>
             <a:headEnd type="none" w="med" len="med"/>
             <a:tailEnd type="none" w="med" len="med"/>
           </a:ln>
@@ -6987,13 +7075,16 @@
         </p:nvCxnSpPr>
         <p:spPr>
           <a:xfrm flipH="1">
-            <a:off x="3732093" y="5386207"/>
+            <a:off x="3732094" y="5386207"/>
             <a:ext cx="1244598" cy="436631"/>
           </a:xfrm>
           <a:prstGeom prst="line">
             <a:avLst/>
           </a:prstGeom>
           <a:ln w="19050">
+            <a:solidFill>
+              <a:schemeClr val="tx1"/>
+            </a:solidFill>
             <a:headEnd type="none" w="med" len="med"/>
             <a:tailEnd type="none" w="med" len="med"/>
           </a:ln>
@@ -7031,13 +7122,16 @@
         </p:nvCxnSpPr>
         <p:spPr>
           <a:xfrm flipH="1">
-            <a:off x="3732093" y="4922101"/>
-            <a:ext cx="1268401" cy="900736"/>
+            <a:off x="3732094" y="4922101"/>
+            <a:ext cx="1268400" cy="900737"/>
           </a:xfrm>
           <a:prstGeom prst="line">
             <a:avLst/>
           </a:prstGeom>
           <a:ln w="19050">
+            <a:solidFill>
+              <a:schemeClr val="tx1"/>
+            </a:solidFill>
             <a:headEnd type="none" w="med" len="med"/>
             <a:tailEnd type="none" w="med" len="med"/>
           </a:ln>
@@ -7082,6 +7176,9 @@
             <a:avLst/>
           </a:prstGeom>
           <a:ln w="19050">
+            <a:solidFill>
+              <a:schemeClr val="tx1"/>
+            </a:solidFill>
             <a:headEnd type="none" w="med" len="med"/>
             <a:tailEnd type="none" w="med" len="med"/>
           </a:ln>
@@ -7119,13 +7216,16 @@
         </p:nvCxnSpPr>
         <p:spPr>
           <a:xfrm flipH="1" flipV="1">
-            <a:off x="3732093" y="5822838"/>
-            <a:ext cx="1243987" cy="28077"/>
+            <a:off x="3732094" y="5822838"/>
+            <a:ext cx="1243986" cy="28077"/>
           </a:xfrm>
           <a:prstGeom prst="line">
             <a:avLst/>
           </a:prstGeom>
           <a:ln w="19050">
+            <a:solidFill>
+              <a:schemeClr val="tx1"/>
+            </a:solidFill>
             <a:headEnd type="none" w="med" len="med"/>
             <a:tailEnd type="none" w="med" len="med"/>
           </a:ln>
@@ -7164,12 +7264,15 @@
         <p:spPr>
           <a:xfrm flipH="1" flipV="1">
             <a:off x="3718253" y="3609483"/>
-            <a:ext cx="1257752" cy="2704008"/>
+            <a:ext cx="1257751" cy="2704008"/>
           </a:xfrm>
           <a:prstGeom prst="line">
             <a:avLst/>
           </a:prstGeom>
           <a:ln w="19050">
+            <a:solidFill>
+              <a:schemeClr val="tx1"/>
+            </a:solidFill>
             <a:headEnd type="none" w="med" len="med"/>
             <a:tailEnd type="none" w="med" len="med"/>
           </a:ln>
@@ -7207,13 +7310,16 @@
         </p:nvCxnSpPr>
         <p:spPr>
           <a:xfrm flipH="1" flipV="1">
-            <a:off x="3732093" y="5822838"/>
-            <a:ext cx="1243911" cy="490653"/>
+            <a:off x="3732094" y="5822838"/>
+            <a:ext cx="1243910" cy="490653"/>
           </a:xfrm>
           <a:prstGeom prst="line">
             <a:avLst/>
           </a:prstGeom>
           <a:ln w="19050">
+            <a:solidFill>
+              <a:schemeClr val="tx1"/>
+            </a:solidFill>
             <a:headEnd type="none" w="med" len="med"/>
             <a:tailEnd type="none" w="med" len="med"/>
           </a:ln>
@@ -7233,8 +7339,8 @@
           </a:fontRef>
         </p:style>
       </p:cxnSp>
-      <mc:AlternateContent xmlns:mc="http://schemas.openxmlformats.org/markup-compatibility/2006">
-        <mc:Choice xmlns:a14="http://schemas.microsoft.com/office/drawing/2010/main" Requires="a14">
+      <mc:AlternateContent xmlns:mc="http://schemas.openxmlformats.org/markup-compatibility/2006" xmlns:a14="http://schemas.microsoft.com/office/drawing/2010/main">
+        <mc:Choice Requires="a14">
           <p:sp>
             <p:nvSpPr>
               <p:cNvPr id="377" name="Rettangolo con angoli arrotondati 376">
@@ -7336,7 +7442,7 @@
             </p:txBody>
           </p:sp>
         </mc:Choice>
-        <mc:Fallback>
+        <mc:Fallback xmlns="">
           <p:sp>
             <p:nvSpPr>
               <p:cNvPr id="377" name="Rettangolo con angoli arrotondati 376">
@@ -7390,8 +7496,8 @@
           </p:sp>
         </mc:Fallback>
       </mc:AlternateContent>
-      <mc:AlternateContent xmlns:mc="http://schemas.openxmlformats.org/markup-compatibility/2006">
-        <mc:Choice xmlns:a14="http://schemas.microsoft.com/office/drawing/2010/main" Requires="a14">
+      <mc:AlternateContent xmlns:mc="http://schemas.openxmlformats.org/markup-compatibility/2006" xmlns:a14="http://schemas.microsoft.com/office/drawing/2010/main">
+        <mc:Choice Requires="a14">
           <p:sp>
             <p:nvSpPr>
               <p:cNvPr id="378" name="Rettangolo con angoli arrotondati 377">
@@ -7493,7 +7599,7 @@
             </p:txBody>
           </p:sp>
         </mc:Choice>
-        <mc:Fallback>
+        <mc:Fallback xmlns="">
           <p:sp>
             <p:nvSpPr>
               <p:cNvPr id="378" name="Rettangolo con angoli arrotondati 377">
@@ -8253,8 +8359,8 @@
           </a:p>
         </p:txBody>
       </p:sp>
-      <mc:AlternateContent xmlns:mc="http://schemas.openxmlformats.org/markup-compatibility/2006">
-        <mc:Choice xmlns:a14="http://schemas.microsoft.com/office/drawing/2010/main" Requires="a14">
+      <mc:AlternateContent xmlns:mc="http://schemas.openxmlformats.org/markup-compatibility/2006" xmlns:a14="http://schemas.microsoft.com/office/drawing/2010/main">
+        <mc:Choice Requires="a14">
           <p:sp>
             <p:nvSpPr>
               <p:cNvPr id="4" name="CasellaDiTesto 3">
@@ -8449,7 +8555,7 @@
             </p:txBody>
           </p:sp>
         </mc:Choice>
-        <mc:Fallback>
+        <mc:Fallback xmlns="">
           <p:sp>
             <p:nvSpPr>
               <p:cNvPr id="4" name="CasellaDiTesto 3">

--- a/results/tex/img/h2ARNN.pptx
+++ b/results/tex/img/h2ARNN.pptx
@@ -197,7 +197,7 @@
           <a:p>
             <a:fld id="{49EF80AE-1202-9441-B039-70E681F15719}" type="datetimeFigureOut">
               <a:rPr lang="en-US" smtClean="0"/>
-              <a:t>2/10/23</a:t>
+              <a:t>3/1/23</a:t>
             </a:fld>
             <a:endParaRPr lang="en-US"/>
           </a:p>
@@ -698,7 +698,7 @@
           <a:p>
             <a:fld id="{F01249FA-4142-DA42-A0A7-E71B9CE72CA2}" type="datetimeFigureOut">
               <a:rPr lang="en-US" smtClean="0"/>
-              <a:t>2/10/23</a:t>
+              <a:t>3/1/23</a:t>
             </a:fld>
             <a:endParaRPr lang="en-US"/>
           </a:p>
@@ -898,7 +898,7 @@
           <a:p>
             <a:fld id="{F01249FA-4142-DA42-A0A7-E71B9CE72CA2}" type="datetimeFigureOut">
               <a:rPr lang="en-US" smtClean="0"/>
-              <a:t>2/10/23</a:t>
+              <a:t>3/1/23</a:t>
             </a:fld>
             <a:endParaRPr lang="en-US"/>
           </a:p>
@@ -1108,7 +1108,7 @@
           <a:p>
             <a:fld id="{F01249FA-4142-DA42-A0A7-E71B9CE72CA2}" type="datetimeFigureOut">
               <a:rPr lang="en-US" smtClean="0"/>
-              <a:t>2/10/23</a:t>
+              <a:t>3/1/23</a:t>
             </a:fld>
             <a:endParaRPr lang="en-US"/>
           </a:p>
@@ -1308,7 +1308,7 @@
           <a:p>
             <a:fld id="{F01249FA-4142-DA42-A0A7-E71B9CE72CA2}" type="datetimeFigureOut">
               <a:rPr lang="en-US" smtClean="0"/>
-              <a:t>2/10/23</a:t>
+              <a:t>3/1/23</a:t>
             </a:fld>
             <a:endParaRPr lang="en-US"/>
           </a:p>
@@ -1584,7 +1584,7 @@
           <a:p>
             <a:fld id="{F01249FA-4142-DA42-A0A7-E71B9CE72CA2}" type="datetimeFigureOut">
               <a:rPr lang="en-US" smtClean="0"/>
-              <a:t>2/10/23</a:t>
+              <a:t>3/1/23</a:t>
             </a:fld>
             <a:endParaRPr lang="en-US"/>
           </a:p>
@@ -1852,7 +1852,7 @@
           <a:p>
             <a:fld id="{F01249FA-4142-DA42-A0A7-E71B9CE72CA2}" type="datetimeFigureOut">
               <a:rPr lang="en-US" smtClean="0"/>
-              <a:t>2/10/23</a:t>
+              <a:t>3/1/23</a:t>
             </a:fld>
             <a:endParaRPr lang="en-US"/>
           </a:p>
@@ -2267,7 +2267,7 @@
           <a:p>
             <a:fld id="{F01249FA-4142-DA42-A0A7-E71B9CE72CA2}" type="datetimeFigureOut">
               <a:rPr lang="en-US" smtClean="0"/>
-              <a:t>2/10/23</a:t>
+              <a:t>3/1/23</a:t>
             </a:fld>
             <a:endParaRPr lang="en-US"/>
           </a:p>
@@ -2409,7 +2409,7 @@
           <a:p>
             <a:fld id="{F01249FA-4142-DA42-A0A7-E71B9CE72CA2}" type="datetimeFigureOut">
               <a:rPr lang="en-US" smtClean="0"/>
-              <a:t>2/10/23</a:t>
+              <a:t>3/1/23</a:t>
             </a:fld>
             <a:endParaRPr lang="en-US"/>
           </a:p>
@@ -2522,7 +2522,7 @@
           <a:p>
             <a:fld id="{F01249FA-4142-DA42-A0A7-E71B9CE72CA2}" type="datetimeFigureOut">
               <a:rPr lang="en-US" smtClean="0"/>
-              <a:t>2/10/23</a:t>
+              <a:t>3/1/23</a:t>
             </a:fld>
             <a:endParaRPr lang="en-US"/>
           </a:p>
@@ -2835,7 +2835,7 @@
           <a:p>
             <a:fld id="{F01249FA-4142-DA42-A0A7-E71B9CE72CA2}" type="datetimeFigureOut">
               <a:rPr lang="en-US" smtClean="0"/>
-              <a:t>2/10/23</a:t>
+              <a:t>3/1/23</a:t>
             </a:fld>
             <a:endParaRPr lang="en-US"/>
           </a:p>
@@ -3124,7 +3124,7 @@
           <a:p>
             <a:fld id="{F01249FA-4142-DA42-A0A7-E71B9CE72CA2}" type="datetimeFigureOut">
               <a:rPr lang="en-US" smtClean="0"/>
-              <a:t>2/10/23</a:t>
+              <a:t>3/1/23</a:t>
             </a:fld>
             <a:endParaRPr lang="en-US"/>
           </a:p>
@@ -3367,7 +3367,7 @@
           <a:p>
             <a:fld id="{F01249FA-4142-DA42-A0A7-E71B9CE72CA2}" type="datetimeFigureOut">
               <a:rPr lang="en-US" smtClean="0"/>
-              <a:t>2/10/23</a:t>
+              <a:t>3/1/23</a:t>
             </a:fld>
             <a:endParaRPr lang="en-US"/>
           </a:p>
@@ -8359,8 +8359,8 @@
           </a:p>
         </p:txBody>
       </p:sp>
-      <mc:AlternateContent xmlns:mc="http://schemas.openxmlformats.org/markup-compatibility/2006" xmlns:a14="http://schemas.microsoft.com/office/drawing/2010/main">
-        <mc:Choice Requires="a14">
+      <mc:AlternateContent xmlns:mc="http://schemas.openxmlformats.org/markup-compatibility/2006">
+        <mc:Choice xmlns:a14="http://schemas.microsoft.com/office/drawing/2010/main" Requires="a14">
           <p:sp>
             <p:nvSpPr>
               <p:cNvPr id="4" name="CasellaDiTesto 3">
@@ -8376,7 +8376,7 @@
             <p:spPr>
               <a:xfrm>
                 <a:off x="6676186" y="6160665"/>
-                <a:ext cx="4112536" cy="410112"/>
+                <a:ext cx="4458785" cy="410112"/>
               </a:xfrm>
               <a:prstGeom prst="rect">
                 <a:avLst/>
@@ -8409,6 +8409,22 @@
               <a:lstStyle/>
               <a:p>
                 <a:r>
+                  <a:rPr lang="en-US" sz="2000">
+                    <a:ln w="0"/>
+                    <a:solidFill>
+                      <a:schemeClr val="accent5"/>
+                    </a:solidFill>
+                    <a:effectLst>
+                      <a:outerShdw blurRad="38100" dist="25400" dir="5400000" algn="ctr" rotWithShape="0">
+                        <a:srgbClr val="6E747A">
+                          <a:alpha val="43000"/>
+                        </a:srgbClr>
+                      </a:outerShdw>
+                    </a:effectLst>
+                  </a:rPr>
+                  <a:t>Number of </a:t>
+                </a:r>
+                <a:r>
                   <a:rPr lang="en-US" sz="2000" dirty="0">
                     <a:ln w="0"/>
                     <a:solidFill>
@@ -8422,7 +8438,7 @@
                       </a:outerShdw>
                     </a:effectLst>
                   </a:rPr>
-                  <a:t>Number hiddel layer neurons: </a:t>
+                  <a:t>hidden layer neurons: </a:t>
                 </a:r>
                 <a14:m>
                   <m:oMath xmlns:m="http://schemas.openxmlformats.org/officeDocument/2006/math">
@@ -8555,7 +8571,7 @@
             </p:txBody>
           </p:sp>
         </mc:Choice>
-        <mc:Fallback xmlns="">
+        <mc:Fallback>
           <p:sp>
             <p:nvSpPr>
               <p:cNvPr id="4" name="CasellaDiTesto 3">
@@ -8573,7 +8589,7 @@
             <p:spPr>
               <a:xfrm>
                 <a:off x="6676186" y="6160665"/>
-                <a:ext cx="4112536" cy="410112"/>
+                <a:ext cx="4458785" cy="410112"/>
               </a:xfrm>
               <a:prstGeom prst="rect">
                 <a:avLst/>
@@ -8581,7 +8597,7 @@
               <a:blipFill>
                 <a:blip r:embed="rId9"/>
                 <a:stretch>
-                  <a:fillRect l="-1524" t="-5714" b="-28571"/>
+                  <a:fillRect l="-1408" t="-5714" b="-28571"/>
                 </a:stretch>
               </a:blipFill>
               <a:ln w="28575">
